--- a/checkpoint 6/Checkpoint 6.pptx
+++ b/checkpoint 6/Checkpoint 6.pptx
@@ -117,7 +117,41 @@
       </a:defRPr>
     </a:lvl9pPr>
   </p:defaultTextStyle>
+  <p:extLst>
+    <p:ext uri="{EFAFB233-063F-42B5-8137-9DF3F51BA10A}">
+      <p15:sldGuideLst xmlns:p15="http://schemas.microsoft.com/office/powerpoint/2012/main"/>
+    </p:ext>
+  </p:extLst>
 </p:presentation>
+</file>
+
+<file path=ppt/changesInfos/changesInfo1.xml><?xml version="1.0" encoding="utf-8"?>
+<pc:chgInfo xmlns:a="http://schemas.openxmlformats.org/drawingml/2006/main" xmlns:r="http://schemas.openxmlformats.org/officeDocument/2006/relationships" xmlns:ac="http://schemas.microsoft.com/office/drawing/2013/main/command" xmlns:pc="http://schemas.microsoft.com/office/powerpoint/2013/main/command">
+  <pc:docChgLst>
+    <pc:chgData name="Johan Rodriguez" userId="8fc8e2180acea60a" providerId="LiveId" clId="{B7213767-349C-45C7-B498-C801288FF561}"/>
+    <pc:docChg chg="custSel modSld">
+      <pc:chgData name="Johan Rodriguez" userId="8fc8e2180acea60a" providerId="LiveId" clId="{B7213767-349C-45C7-B498-C801288FF561}" dt="2024-04-11T05:41:55.115" v="255" actId="20577"/>
+      <pc:docMkLst>
+        <pc:docMk/>
+      </pc:docMkLst>
+      <pc:sldChg chg="modSp mod">
+        <pc:chgData name="Johan Rodriguez" userId="8fc8e2180acea60a" providerId="LiveId" clId="{B7213767-349C-45C7-B498-C801288FF561}" dt="2024-04-11T05:41:55.115" v="255" actId="20577"/>
+        <pc:sldMkLst>
+          <pc:docMk/>
+          <pc:sldMk cId="2409788493" sldId="257"/>
+        </pc:sldMkLst>
+        <pc:spChg chg="mod">
+          <ac:chgData name="Johan Rodriguez" userId="8fc8e2180acea60a" providerId="LiveId" clId="{B7213767-349C-45C7-B498-C801288FF561}" dt="2024-04-11T05:41:55.115" v="255" actId="20577"/>
+          <ac:spMkLst>
+            <pc:docMk/>
+            <pc:sldMk cId="2409788493" sldId="257"/>
+            <ac:spMk id="3" creationId="{221A3A68-F415-3ACE-8852-3C7805F27A1B}"/>
+          </ac:spMkLst>
+        </pc:spChg>
+      </pc:sldChg>
+    </pc:docChg>
+  </pc:docChgLst>
+</pc:chgInfo>
 </file>
 
 <file path=ppt/slideLayouts/slideLayout1.xml><?xml version="1.0" encoding="utf-8"?>
@@ -8913,7 +8947,7 @@
           <a:p>
             <a:fld id="{1FCFA2CB-E552-415A-8D17-15FA215A7719}" type="datetimeFigureOut">
               <a:rPr lang="es-CL" smtClean="0"/>
-              <a:t>10-04-2024</a:t>
+              <a:t>11-04-2024</a:t>
             </a:fld>
             <a:endParaRPr lang="es-CL"/>
           </a:p>
@@ -9120,7 +9154,7 @@
           <a:p>
             <a:fld id="{1FCFA2CB-E552-415A-8D17-15FA215A7719}" type="datetimeFigureOut">
               <a:rPr lang="es-CL" smtClean="0"/>
-              <a:t>10-04-2024</a:t>
+              <a:t>11-04-2024</a:t>
             </a:fld>
             <a:endParaRPr lang="es-CL"/>
           </a:p>
@@ -9300,7 +9334,7 @@
           <a:p>
             <a:fld id="{1FCFA2CB-E552-415A-8D17-15FA215A7719}" type="datetimeFigureOut">
               <a:rPr lang="es-CL" smtClean="0"/>
-              <a:t>10-04-2024</a:t>
+              <a:t>11-04-2024</a:t>
             </a:fld>
             <a:endParaRPr lang="es-CL"/>
           </a:p>
@@ -9505,7 +9539,7 @@
           <a:p>
             <a:fld id="{1FCFA2CB-E552-415A-8D17-15FA215A7719}" type="datetimeFigureOut">
               <a:rPr lang="es-CL" smtClean="0"/>
-              <a:t>10-04-2024</a:t>
+              <a:t>11-04-2024</a:t>
             </a:fld>
             <a:endParaRPr lang="es-CL"/>
           </a:p>
@@ -18403,7 +18437,7 @@
           <a:p>
             <a:fld id="{1FCFA2CB-E552-415A-8D17-15FA215A7719}" type="datetimeFigureOut">
               <a:rPr lang="es-CL" smtClean="0"/>
-              <a:t>10-04-2024</a:t>
+              <a:t>11-04-2024</a:t>
             </a:fld>
             <a:endParaRPr lang="es-CL"/>
           </a:p>
@@ -18677,7 +18711,7 @@
           <a:p>
             <a:fld id="{1FCFA2CB-E552-415A-8D17-15FA215A7719}" type="datetimeFigureOut">
               <a:rPr lang="es-CL" smtClean="0"/>
-              <a:t>10-04-2024</a:t>
+              <a:t>11-04-2024</a:t>
             </a:fld>
             <a:endParaRPr lang="es-CL"/>
           </a:p>
@@ -19075,7 +19109,7 @@
           <a:p>
             <a:fld id="{1FCFA2CB-E552-415A-8D17-15FA215A7719}" type="datetimeFigureOut">
               <a:rPr lang="es-CL" smtClean="0"/>
-              <a:t>10-04-2024</a:t>
+              <a:t>11-04-2024</a:t>
             </a:fld>
             <a:endParaRPr lang="es-CL"/>
           </a:p>
@@ -19193,7 +19227,7 @@
           <a:p>
             <a:fld id="{1FCFA2CB-E552-415A-8D17-15FA215A7719}" type="datetimeFigureOut">
               <a:rPr lang="es-CL" smtClean="0"/>
-              <a:t>10-04-2024</a:t>
+              <a:t>11-04-2024</a:t>
             </a:fld>
             <a:endParaRPr lang="es-CL"/>
           </a:p>
@@ -19288,7 +19322,7 @@
           <a:p>
             <a:fld id="{1FCFA2CB-E552-415A-8D17-15FA215A7719}" type="datetimeFigureOut">
               <a:rPr lang="es-CL" smtClean="0"/>
-              <a:t>10-04-2024</a:t>
+              <a:t>11-04-2024</a:t>
             </a:fld>
             <a:endParaRPr lang="es-CL"/>
           </a:p>
@@ -19578,7 +19612,7 @@
           <a:p>
             <a:fld id="{1FCFA2CB-E552-415A-8D17-15FA215A7719}" type="datetimeFigureOut">
               <a:rPr lang="es-CL" smtClean="0"/>
-              <a:t>10-04-2024</a:t>
+              <a:t>11-04-2024</a:t>
             </a:fld>
             <a:endParaRPr lang="es-CL"/>
           </a:p>
@@ -19858,7 +19892,7 @@
           <a:p>
             <a:fld id="{1FCFA2CB-E552-415A-8D17-15FA215A7719}" type="datetimeFigureOut">
               <a:rPr lang="es-CL" smtClean="0"/>
-              <a:t>10-04-2024</a:t>
+              <a:t>11-04-2024</a:t>
             </a:fld>
             <a:endParaRPr lang="es-CL"/>
           </a:p>
@@ -20108,7 +20142,7 @@
           <a:p>
             <a:fld id="{1FCFA2CB-E552-415A-8D17-15FA215A7719}" type="datetimeFigureOut">
               <a:rPr lang="es-CL" smtClean="0"/>
-              <a:t>10-04-2024</a:t>
+              <a:t>11-04-2024</a:t>
             </a:fld>
             <a:endParaRPr lang="es-CL"/>
           </a:p>
@@ -24280,53 +24314,157 @@
                 <a:ea typeface="Open Sans" panose="020B0606030504020204" pitchFamily="34" charset="0"/>
                 <a:cs typeface="Open Sans" panose="020B0606030504020204" pitchFamily="34" charset="0"/>
               </a:rPr>
-              <a:t>clase y dos puntos “:”. Siguiendo con el anterior ejemplo vamos a crear una clase para</a:t>
-            </a:r>
-            <a:r>
-              <a:rPr lang="es-ES" sz="2400" spc="5" dirty="0">
-                <a:effectLst/>
+              <a:t>clase y dos puntos “:”. </a:t>
+            </a:r>
+          </a:p>
+          <a:p>
+            <a:pPr marL="63500" marR="86995"/>
+            <a:r>
+              <a:rPr lang="es-ES" sz="2400" dirty="0" err="1">
                 <a:latin typeface="Open Sans" panose="020B0606030504020204" pitchFamily="34" charset="0"/>
                 <a:ea typeface="Open Sans" panose="020B0606030504020204" pitchFamily="34" charset="0"/>
                 <a:cs typeface="Open Sans" panose="020B0606030504020204" pitchFamily="34" charset="0"/>
               </a:rPr>
-              <a:t> </a:t>
+              <a:t>class</a:t>
             </a:r>
             <a:r>
               <a:rPr lang="es-ES" sz="2400" dirty="0">
-                <a:effectLst/>
                 <a:latin typeface="Open Sans" panose="020B0606030504020204" pitchFamily="34" charset="0"/>
                 <a:ea typeface="Open Sans" panose="020B0606030504020204" pitchFamily="34" charset="0"/>
                 <a:cs typeface="Open Sans" panose="020B0606030504020204" pitchFamily="34" charset="0"/>
               </a:rPr>
-              <a:t>generar</a:t>
-            </a:r>
-            <a:r>
-              <a:rPr lang="es-ES" sz="2400" spc="-10" dirty="0">
-                <a:effectLst/>
+              <a:t> Casa:</a:t>
+            </a:r>
+          </a:p>
+          <a:p>
+            <a:pPr marL="566420" marR="86995" lvl="3"/>
+            <a:r>
+              <a:rPr lang="es-ES" sz="1600" dirty="0" err="1">
                 <a:latin typeface="Open Sans" panose="020B0606030504020204" pitchFamily="34" charset="0"/>
                 <a:ea typeface="Open Sans" panose="020B0606030504020204" pitchFamily="34" charset="0"/>
                 <a:cs typeface="Open Sans" panose="020B0606030504020204" pitchFamily="34" charset="0"/>
               </a:rPr>
-              <a:t> </a:t>
-            </a:r>
-            <a:r>
-              <a:rPr lang="es-ES" sz="2400" dirty="0">
-                <a:effectLst/>
+              <a:t>def</a:t>
+            </a:r>
+            <a:r>
+              <a:rPr lang="es-ES" sz="1600" dirty="0">
                 <a:latin typeface="Open Sans" panose="020B0606030504020204" pitchFamily="34" charset="0"/>
                 <a:ea typeface="Open Sans" panose="020B0606030504020204" pitchFamily="34" charset="0"/>
                 <a:cs typeface="Open Sans" panose="020B0606030504020204" pitchFamily="34" charset="0"/>
               </a:rPr>
-              <a:t>coches:</a:t>
-            </a:r>
-            <a:endParaRPr lang="es-CL" sz="2400" dirty="0">
-              <a:effectLst/>
+              <a:t> </a:t>
+            </a:r>
+            <a:r>
+              <a:rPr lang="es-ES" sz="1600" dirty="0" err="1">
+                <a:latin typeface="Open Sans" panose="020B0606030504020204" pitchFamily="34" charset="0"/>
+                <a:ea typeface="Open Sans" panose="020B0606030504020204" pitchFamily="34" charset="0"/>
+                <a:cs typeface="Open Sans" panose="020B0606030504020204" pitchFamily="34" charset="0"/>
+              </a:rPr>
+              <a:t>numerodecasa</a:t>
+            </a:r>
+            <a:r>
+              <a:rPr lang="es-ES" sz="1600" dirty="0">
+                <a:latin typeface="Open Sans" panose="020B0606030504020204" pitchFamily="34" charset="0"/>
+                <a:ea typeface="Open Sans" panose="020B0606030504020204" pitchFamily="34" charset="0"/>
+                <a:cs typeface="Open Sans" panose="020B0606030504020204" pitchFamily="34" charset="0"/>
+              </a:rPr>
+              <a:t>(</a:t>
+            </a:r>
+            <a:r>
+              <a:rPr lang="es-ES" sz="1600" dirty="0" err="1">
+                <a:latin typeface="Open Sans" panose="020B0606030504020204" pitchFamily="34" charset="0"/>
+                <a:ea typeface="Open Sans" panose="020B0606030504020204" pitchFamily="34" charset="0"/>
+                <a:cs typeface="Open Sans" panose="020B0606030504020204" pitchFamily="34" charset="0"/>
+              </a:rPr>
+              <a:t>self</a:t>
+            </a:r>
+            <a:r>
+              <a:rPr lang="es-ES" sz="1600" dirty="0">
+                <a:latin typeface="Open Sans" panose="020B0606030504020204" pitchFamily="34" charset="0"/>
+                <a:ea typeface="Open Sans" panose="020B0606030504020204" pitchFamily="34" charset="0"/>
+                <a:cs typeface="Open Sans" panose="020B0606030504020204" pitchFamily="34" charset="0"/>
+              </a:rPr>
+              <a:t>)</a:t>
+            </a:r>
+          </a:p>
+          <a:p>
+            <a:pPr marL="886460" marR="86995" lvl="5"/>
+            <a:r>
+              <a:rPr lang="es-ES" sz="1600" dirty="0" err="1">
+                <a:latin typeface="Open Sans" panose="020B0606030504020204" pitchFamily="34" charset="0"/>
+                <a:ea typeface="Open Sans" panose="020B0606030504020204" pitchFamily="34" charset="0"/>
+                <a:cs typeface="Open Sans" panose="020B0606030504020204" pitchFamily="34" charset="0"/>
+              </a:rPr>
+              <a:t>return</a:t>
+            </a:r>
+            <a:r>
+              <a:rPr lang="es-ES" sz="1600" dirty="0">
+                <a:latin typeface="Open Sans" panose="020B0606030504020204" pitchFamily="34" charset="0"/>
+                <a:ea typeface="Open Sans" panose="020B0606030504020204" pitchFamily="34" charset="0"/>
+                <a:cs typeface="Open Sans" panose="020B0606030504020204" pitchFamily="34" charset="0"/>
+              </a:rPr>
+              <a:t> “el numero de casa es 001”</a:t>
+            </a:r>
+            <a:endParaRPr lang="es-CL" sz="1600" dirty="0">
               <a:latin typeface="Open Sans" panose="020B0606030504020204" pitchFamily="34" charset="0"/>
               <a:ea typeface="Open Sans" panose="020B0606030504020204" pitchFamily="34" charset="0"/>
               <a:cs typeface="Open Sans" panose="020B0606030504020204" pitchFamily="34" charset="0"/>
             </a:endParaRPr>
           </a:p>
           <a:p>
-            <a:endParaRPr lang="es-CL" sz="2400" dirty="0">
+            <a:pPr marL="237236" marR="86995" lvl="1"/>
+            <a:r>
+              <a:rPr lang="es-CL" sz="2000" dirty="0" err="1">
+                <a:latin typeface="Open Sans" panose="020B0606030504020204" pitchFamily="34" charset="0"/>
+                <a:ea typeface="Open Sans" panose="020B0606030504020204" pitchFamily="34" charset="0"/>
+                <a:cs typeface="Open Sans" panose="020B0606030504020204" pitchFamily="34" charset="0"/>
+              </a:rPr>
+              <a:t>mi_num_cas</a:t>
+            </a:r>
+            <a:r>
+              <a:rPr lang="es-CL" sz="2000" dirty="0">
+                <a:latin typeface="Open Sans" panose="020B0606030504020204" pitchFamily="34" charset="0"/>
+                <a:ea typeface="Open Sans" panose="020B0606030504020204" pitchFamily="34" charset="0"/>
+                <a:cs typeface="Open Sans" panose="020B0606030504020204" pitchFamily="34" charset="0"/>
+              </a:rPr>
+              <a:t> = Casa</a:t>
+            </a:r>
+          </a:p>
+          <a:p>
+            <a:pPr marL="237236" marR="86995" lvl="1"/>
+            <a:r>
+              <a:rPr lang="es-CL" sz="2000" dirty="0" err="1">
+                <a:latin typeface="Open Sans" panose="020B0606030504020204" pitchFamily="34" charset="0"/>
+                <a:ea typeface="Open Sans" panose="020B0606030504020204" pitchFamily="34" charset="0"/>
+                <a:cs typeface="Open Sans" panose="020B0606030504020204" pitchFamily="34" charset="0"/>
+              </a:rPr>
+              <a:t>print</a:t>
+            </a:r>
+            <a:r>
+              <a:rPr lang="es-CL" sz="2000" dirty="0">
+                <a:latin typeface="Open Sans" panose="020B0606030504020204" pitchFamily="34" charset="0"/>
+                <a:ea typeface="Open Sans" panose="020B0606030504020204" pitchFamily="34" charset="0"/>
+                <a:cs typeface="Open Sans" panose="020B0606030504020204" pitchFamily="34" charset="0"/>
+              </a:rPr>
+              <a:t>(</a:t>
+            </a:r>
+            <a:r>
+              <a:rPr lang="es-CL" sz="2000" dirty="0" err="1">
+                <a:latin typeface="Open Sans" panose="020B0606030504020204" pitchFamily="34" charset="0"/>
+                <a:ea typeface="Open Sans" panose="020B0606030504020204" pitchFamily="34" charset="0"/>
+                <a:cs typeface="Open Sans" panose="020B0606030504020204" pitchFamily="34" charset="0"/>
+              </a:rPr>
+              <a:t>mi_num_cas.numerodecasa</a:t>
+            </a:r>
+            <a:r>
+              <a:rPr lang="es-CL" sz="2000" dirty="0">
+                <a:latin typeface="Open Sans" panose="020B0606030504020204" pitchFamily="34" charset="0"/>
+                <a:ea typeface="Open Sans" panose="020B0606030504020204" pitchFamily="34" charset="0"/>
+                <a:cs typeface="Open Sans" panose="020B0606030504020204" pitchFamily="34" charset="0"/>
+              </a:rPr>
+              <a:t>)</a:t>
+            </a:r>
+            <a:endParaRPr lang="es-ES" sz="2000" dirty="0">
               <a:latin typeface="Open Sans" panose="020B0606030504020204" pitchFamily="34" charset="0"/>
               <a:ea typeface="Open Sans" panose="020B0606030504020204" pitchFamily="34" charset="0"/>
               <a:cs typeface="Open Sans" panose="020B0606030504020204" pitchFamily="34" charset="0"/>

--- a/checkpoint 6/Checkpoint 6.pptx
+++ b/checkpoint 6/Checkpoint 6.pptx
@@ -130,7 +130,7 @@
   <pc:docChgLst>
     <pc:chgData name="Johan Rodriguez" userId="8fc8e2180acea60a" providerId="LiveId" clId="{B7213767-349C-45C7-B498-C801288FF561}"/>
     <pc:docChg chg="custSel modSld">
-      <pc:chgData name="Johan Rodriguez" userId="8fc8e2180acea60a" providerId="LiveId" clId="{B7213767-349C-45C7-B498-C801288FF561}" dt="2024-04-11T05:41:55.115" v="255" actId="20577"/>
+      <pc:chgData name="Johan Rodriguez" userId="8fc8e2180acea60a" providerId="LiveId" clId="{B7213767-349C-45C7-B498-C801288FF561}" dt="2024-04-11T21:25:57.591" v="256" actId="113"/>
       <pc:docMkLst>
         <pc:docMk/>
       </pc:docMkLst>
@@ -146,6 +146,21 @@
             <pc:docMk/>
             <pc:sldMk cId="2409788493" sldId="257"/>
             <ac:spMk id="3" creationId="{221A3A68-F415-3ACE-8852-3C7805F27A1B}"/>
+          </ac:spMkLst>
+        </pc:spChg>
+      </pc:sldChg>
+      <pc:sldChg chg="modSp mod">
+        <pc:chgData name="Johan Rodriguez" userId="8fc8e2180acea60a" providerId="LiveId" clId="{B7213767-349C-45C7-B498-C801288FF561}" dt="2024-04-11T21:25:57.591" v="256" actId="113"/>
+        <pc:sldMkLst>
+          <pc:docMk/>
+          <pc:sldMk cId="1529288270" sldId="261"/>
+        </pc:sldMkLst>
+        <pc:spChg chg="mod">
+          <ac:chgData name="Johan Rodriguez" userId="8fc8e2180acea60a" providerId="LiveId" clId="{B7213767-349C-45C7-B498-C801288FF561}" dt="2024-04-11T21:25:57.591" v="256" actId="113"/>
+          <ac:spMkLst>
+            <pc:docMk/>
+            <pc:sldMk cId="1529288270" sldId="261"/>
+            <ac:spMk id="2" creationId="{E8CECD89-C1AD-8057-E02E-A83C2EFB9C84}"/>
           </ac:spMkLst>
         </pc:spChg>
       </pc:sldChg>
@@ -25433,7 +25448,7 @@
           <a:lstStyle/>
           <a:p>
             <a:r>
-              <a:rPr lang="es-CL" b="1" i="0" dirty="0">
+              <a:rPr lang="es-CL" i="0" dirty="0">
                 <a:solidFill>
                   <a:schemeClr val="accent2"/>
                 </a:solidFill>
@@ -25442,7 +25457,7 @@
               </a:rPr>
               <a:t>¿Qué es una API?</a:t>
             </a:r>
-            <a:endParaRPr lang="es-CL" b="1" dirty="0">
+            <a:endParaRPr lang="es-CL" dirty="0">
               <a:solidFill>
                 <a:schemeClr val="accent2"/>
               </a:solidFill>
